--- a/python/Python basics.pptx
+++ b/python/Python basics.pptx
@@ -7822,7 +7822,7 @@
           <p:cNvPr id="2" name="Title 1">
             <a:extLst>
               <a:ext uri="{FF2B5EF4-FFF2-40B4-BE49-F238E27FC236}">
-                <a16:creationId xmlns:a16="http://schemas.microsoft.com/office/drawing/2014/main" xmlns="" id="{3C1ED79C-6275-4985-8F32-3B8A69652713}"/>
+                <a16:creationId xmlns:a16="http://schemas.microsoft.com/office/drawing/2014/main" id="{3C1ED79C-6275-4985-8F32-3B8A69652713}"/>
               </a:ext>
             </a:extLst>
           </p:cNvPr>
@@ -7850,7 +7850,7 @@
           <p:cNvPr id="3" name="Subtitle 2">
             <a:extLst>
               <a:ext uri="{FF2B5EF4-FFF2-40B4-BE49-F238E27FC236}">
-                <a16:creationId xmlns:a16="http://schemas.microsoft.com/office/drawing/2014/main" xmlns="" id="{C8091D01-D432-444A-A792-45EE1CD00C2A}"/>
+                <a16:creationId xmlns:a16="http://schemas.microsoft.com/office/drawing/2014/main" id="{C8091D01-D432-444A-A792-45EE1CD00C2A}"/>
               </a:ext>
             </a:extLst>
           </p:cNvPr>
@@ -7861,15 +7861,10 @@
             <p:ph type="subTitle" idx="1"/>
           </p:nvPr>
         </p:nvSpPr>
-        <p:spPr>
-          <a:xfrm>
-            <a:off x="1371600" y="3632200"/>
-            <a:ext cx="9448800" cy="1038951"/>
-          </a:xfrm>
-        </p:spPr>
+        <p:spPr/>
         <p:txBody>
           <a:bodyPr>
-            <a:normAutofit fontScale="92500" lnSpcReduction="20000"/>
+            <a:normAutofit fontScale="92500" lnSpcReduction="10000"/>
           </a:bodyPr>
           <a:lstStyle/>
           <a:p>
@@ -7881,27 +7876,8 @@
           <a:p>
             <a:r>
               <a:rPr lang="en-SG" dirty="0"/>
-              <a:t>SIM IT </a:t>
-            </a:r>
-            <a:r>
-              <a:rPr lang="en-SG" dirty="0" smtClean="0"/>
-              <a:t>CLUB</a:t>
-            </a:r>
-          </a:p>
-          <a:p>
-            <a:r>
-              <a:rPr lang="en-SG" dirty="0" smtClean="0"/>
-              <a:t>(</a:t>
-            </a:r>
-            <a:r>
-              <a:rPr lang="en-SG" dirty="0" err="1" smtClean="0"/>
-              <a:t>Pavithran</a:t>
-            </a:r>
-            <a:r>
-              <a:rPr lang="en-SG" dirty="0" smtClean="0"/>
-              <a:t>)</a:t>
-            </a:r>
-            <a:endParaRPr lang="en-SG" dirty="0"/>
+              <a:t>SIM IT CLUB</a:t>
+            </a:r>
           </a:p>
         </p:txBody>
       </p:sp>
@@ -7910,7 +7886,7 @@
           <p:cNvPr id="1026" name="Picture 2" descr="Image result for python logo">
             <a:extLst>
               <a:ext uri="{FF2B5EF4-FFF2-40B4-BE49-F238E27FC236}">
-                <a16:creationId xmlns:a16="http://schemas.microsoft.com/office/drawing/2014/main" xmlns="" id="{A92818DB-113F-41F3-A407-6B090044979F}"/>
+                <a16:creationId xmlns:a16="http://schemas.microsoft.com/office/drawing/2014/main" id="{A92818DB-113F-41F3-A407-6B090044979F}"/>
               </a:ext>
             </a:extLst>
           </p:cNvPr>
@@ -7987,7 +7963,7 @@
           <p:cNvPr id="2" name="Title 1">
             <a:extLst>
               <a:ext uri="{FF2B5EF4-FFF2-40B4-BE49-F238E27FC236}">
-                <a16:creationId xmlns:a16="http://schemas.microsoft.com/office/drawing/2014/main" xmlns="" id="{E61A1F87-32CD-4161-81AB-6E76503C5A61}"/>
+                <a16:creationId xmlns:a16="http://schemas.microsoft.com/office/drawing/2014/main" id="{E61A1F87-32CD-4161-81AB-6E76503C5A61}"/>
               </a:ext>
             </a:extLst>
           </p:cNvPr>
@@ -8020,7 +7996,7 @@
           <p:cNvPr id="3" name="Content Placeholder 2">
             <a:extLst>
               <a:ext uri="{FF2B5EF4-FFF2-40B4-BE49-F238E27FC236}">
-                <a16:creationId xmlns:a16="http://schemas.microsoft.com/office/drawing/2014/main" xmlns="" id="{BD244C04-163A-45C9-96B6-A430ED06B376}"/>
+                <a16:creationId xmlns:a16="http://schemas.microsoft.com/office/drawing/2014/main" id="{BD244C04-163A-45C9-96B6-A430ED06B376}"/>
               </a:ext>
             </a:extLst>
           </p:cNvPr>
@@ -8116,7 +8092,7 @@
           <p:cNvPr id="2" name="Title 1">
             <a:extLst>
               <a:ext uri="{FF2B5EF4-FFF2-40B4-BE49-F238E27FC236}">
-                <a16:creationId xmlns:a16="http://schemas.microsoft.com/office/drawing/2014/main" xmlns="" id="{ED1663ED-9A1D-4FF8-9717-D2386AE5B47E}"/>
+                <a16:creationId xmlns:a16="http://schemas.microsoft.com/office/drawing/2014/main" id="{ED1663ED-9A1D-4FF8-9717-D2386AE5B47E}"/>
               </a:ext>
             </a:extLst>
           </p:cNvPr>
@@ -8153,7 +8129,7 @@
           <p:cNvPr id="3" name="Content Placeholder 2">
             <a:extLst>
               <a:ext uri="{FF2B5EF4-FFF2-40B4-BE49-F238E27FC236}">
-                <a16:creationId xmlns:a16="http://schemas.microsoft.com/office/drawing/2014/main" xmlns="" id="{6343B25F-2196-4DAB-B1F7-A4DA8F60905C}"/>
+                <a16:creationId xmlns:a16="http://schemas.microsoft.com/office/drawing/2014/main" id="{6343B25F-2196-4DAB-B1F7-A4DA8F60905C}"/>
               </a:ext>
             </a:extLst>
           </p:cNvPr>
@@ -8264,7 +8240,7 @@
           <p:cNvPr id="2" name="Title 1">
             <a:extLst>
               <a:ext uri="{FF2B5EF4-FFF2-40B4-BE49-F238E27FC236}">
-                <a16:creationId xmlns:a16="http://schemas.microsoft.com/office/drawing/2014/main" xmlns="" id="{57CD71E7-A6F0-4183-A6E6-ECED9E35E827}"/>
+                <a16:creationId xmlns:a16="http://schemas.microsoft.com/office/drawing/2014/main" id="{57CD71E7-A6F0-4183-A6E6-ECED9E35E827}"/>
               </a:ext>
             </a:extLst>
           </p:cNvPr>
@@ -8297,7 +8273,7 @@
           <p:cNvPr id="3" name="Content Placeholder 2">
             <a:extLst>
               <a:ext uri="{FF2B5EF4-FFF2-40B4-BE49-F238E27FC236}">
-                <a16:creationId xmlns:a16="http://schemas.microsoft.com/office/drawing/2014/main" xmlns="" id="{6A6D4508-BA36-4153-9A93-6BB06442C8F6}"/>
+                <a16:creationId xmlns:a16="http://schemas.microsoft.com/office/drawing/2014/main" id="{6A6D4508-BA36-4153-9A93-6BB06442C8F6}"/>
               </a:ext>
             </a:extLst>
           </p:cNvPr>
@@ -8487,7 +8463,7 @@
           <p:cNvPr id="2" name="Title 1">
             <a:extLst>
               <a:ext uri="{FF2B5EF4-FFF2-40B4-BE49-F238E27FC236}">
-                <a16:creationId xmlns:a16="http://schemas.microsoft.com/office/drawing/2014/main" xmlns="" id="{5F76759F-DCB8-4A50-A9D1-044D3C68BD47}"/>
+                <a16:creationId xmlns:a16="http://schemas.microsoft.com/office/drawing/2014/main" id="{5F76759F-DCB8-4A50-A9D1-044D3C68BD47}"/>
               </a:ext>
             </a:extLst>
           </p:cNvPr>
@@ -8520,7 +8496,7 @@
           <p:cNvPr id="3" name="Content Placeholder 2">
             <a:extLst>
               <a:ext uri="{FF2B5EF4-FFF2-40B4-BE49-F238E27FC236}">
-                <a16:creationId xmlns:a16="http://schemas.microsoft.com/office/drawing/2014/main" xmlns="" id="{BDABFC4D-56C9-4344-B9B1-E4733375C8DE}"/>
+                <a16:creationId xmlns:a16="http://schemas.microsoft.com/office/drawing/2014/main" id="{BDABFC4D-56C9-4344-B9B1-E4733375C8DE}"/>
               </a:ext>
             </a:extLst>
           </p:cNvPr>
@@ -8657,7 +8633,7 @@
           <p:cNvPr id="2" name="Title 1">
             <a:extLst>
               <a:ext uri="{FF2B5EF4-FFF2-40B4-BE49-F238E27FC236}">
-                <a16:creationId xmlns:a16="http://schemas.microsoft.com/office/drawing/2014/main" xmlns="" id="{F23C06EB-32F4-47D2-96FD-0E861D198A8D}"/>
+                <a16:creationId xmlns:a16="http://schemas.microsoft.com/office/drawing/2014/main" id="{F23C06EB-32F4-47D2-96FD-0E861D198A8D}"/>
               </a:ext>
             </a:extLst>
           </p:cNvPr>
@@ -8690,7 +8666,7 @@
           <p:cNvPr id="3" name="Content Placeholder 2">
             <a:extLst>
               <a:ext uri="{FF2B5EF4-FFF2-40B4-BE49-F238E27FC236}">
-                <a16:creationId xmlns:a16="http://schemas.microsoft.com/office/drawing/2014/main" xmlns="" id="{79E447CB-D535-488F-A360-8365FF2B97D7}"/>
+                <a16:creationId xmlns:a16="http://schemas.microsoft.com/office/drawing/2014/main" id="{79E447CB-D535-488F-A360-8365FF2B97D7}"/>
               </a:ext>
             </a:extLst>
           </p:cNvPr>
@@ -8780,7 +8756,7 @@
           <p:cNvPr id="2" name="Title 1">
             <a:extLst>
               <a:ext uri="{FF2B5EF4-FFF2-40B4-BE49-F238E27FC236}">
-                <a16:creationId xmlns:a16="http://schemas.microsoft.com/office/drawing/2014/main" xmlns="" id="{57CD71E7-A6F0-4183-A6E6-ECED9E35E827}"/>
+                <a16:creationId xmlns:a16="http://schemas.microsoft.com/office/drawing/2014/main" id="{57CD71E7-A6F0-4183-A6E6-ECED9E35E827}"/>
               </a:ext>
             </a:extLst>
           </p:cNvPr>
@@ -8813,7 +8789,7 @@
           <p:cNvPr id="3" name="Content Placeholder 2">
             <a:extLst>
               <a:ext uri="{FF2B5EF4-FFF2-40B4-BE49-F238E27FC236}">
-                <a16:creationId xmlns:a16="http://schemas.microsoft.com/office/drawing/2014/main" xmlns="" id="{6A6D4508-BA36-4153-9A93-6BB06442C8F6}"/>
+                <a16:creationId xmlns:a16="http://schemas.microsoft.com/office/drawing/2014/main" id="{6A6D4508-BA36-4153-9A93-6BB06442C8F6}"/>
               </a:ext>
             </a:extLst>
           </p:cNvPr>
@@ -9028,7 +9004,7 @@
           <p:cNvPr id="2" name="Title 1">
             <a:extLst>
               <a:ext uri="{FF2B5EF4-FFF2-40B4-BE49-F238E27FC236}">
-                <a16:creationId xmlns:a16="http://schemas.microsoft.com/office/drawing/2014/main" xmlns="" id="{F0168054-4C2D-4C06-A08D-BEE68F120E17}"/>
+                <a16:creationId xmlns:a16="http://schemas.microsoft.com/office/drawing/2014/main" id="{F0168054-4C2D-4C06-A08D-BEE68F120E17}"/>
               </a:ext>
             </a:extLst>
           </p:cNvPr>
@@ -9061,7 +9037,7 @@
           <p:cNvPr id="3" name="Content Placeholder 2">
             <a:extLst>
               <a:ext uri="{FF2B5EF4-FFF2-40B4-BE49-F238E27FC236}">
-                <a16:creationId xmlns:a16="http://schemas.microsoft.com/office/drawing/2014/main" xmlns="" id="{EDA0FCB8-8BA6-4775-9700-A5C3990EA34F}"/>
+                <a16:creationId xmlns:a16="http://schemas.microsoft.com/office/drawing/2014/main" id="{EDA0FCB8-8BA6-4775-9700-A5C3990EA34F}"/>
               </a:ext>
             </a:extLst>
           </p:cNvPr>
@@ -9137,7 +9113,7 @@
           <p:cNvPr id="2" name="Title 1">
             <a:extLst>
               <a:ext uri="{FF2B5EF4-FFF2-40B4-BE49-F238E27FC236}">
-                <a16:creationId xmlns:a16="http://schemas.microsoft.com/office/drawing/2014/main" xmlns="" id="{FD32C341-68A3-46D3-B7A2-1E9A28CC656B}"/>
+                <a16:creationId xmlns:a16="http://schemas.microsoft.com/office/drawing/2014/main" id="{FD32C341-68A3-46D3-B7A2-1E9A28CC656B}"/>
               </a:ext>
             </a:extLst>
           </p:cNvPr>
@@ -9170,7 +9146,7 @@
           <p:cNvPr id="3" name="Content Placeholder 2">
             <a:extLst>
               <a:ext uri="{FF2B5EF4-FFF2-40B4-BE49-F238E27FC236}">
-                <a16:creationId xmlns:a16="http://schemas.microsoft.com/office/drawing/2014/main" xmlns="" id="{35055C55-C327-4881-9B29-E78F4DFBBB8C}"/>
+                <a16:creationId xmlns:a16="http://schemas.microsoft.com/office/drawing/2014/main" id="{35055C55-C327-4881-9B29-E78F4DFBBB8C}"/>
               </a:ext>
             </a:extLst>
           </p:cNvPr>
@@ -9292,7 +9268,7 @@
           <p:cNvPr id="2" name="Title 1">
             <a:extLst>
               <a:ext uri="{FF2B5EF4-FFF2-40B4-BE49-F238E27FC236}">
-                <a16:creationId xmlns:a16="http://schemas.microsoft.com/office/drawing/2014/main" xmlns="" id="{AD70B2D7-9726-440E-BFD4-AEB40A0C5726}"/>
+                <a16:creationId xmlns:a16="http://schemas.microsoft.com/office/drawing/2014/main" id="{AD70B2D7-9726-440E-BFD4-AEB40A0C5726}"/>
               </a:ext>
             </a:extLst>
           </p:cNvPr>
@@ -9325,7 +9301,7 @@
           <p:cNvPr id="3" name="Content Placeholder 2">
             <a:extLst>
               <a:ext uri="{FF2B5EF4-FFF2-40B4-BE49-F238E27FC236}">
-                <a16:creationId xmlns:a16="http://schemas.microsoft.com/office/drawing/2014/main" xmlns="" id="{46CDCA3C-E14D-4A7F-BAA5-2E20B3C5ED82}"/>
+                <a16:creationId xmlns:a16="http://schemas.microsoft.com/office/drawing/2014/main" id="{46CDCA3C-E14D-4A7F-BAA5-2E20B3C5ED82}"/>
               </a:ext>
             </a:extLst>
           </p:cNvPr>
@@ -9410,7 +9386,7 @@
           <p:cNvPr id="2" name="Title 1">
             <a:extLst>
               <a:ext uri="{FF2B5EF4-FFF2-40B4-BE49-F238E27FC236}">
-                <a16:creationId xmlns:a16="http://schemas.microsoft.com/office/drawing/2014/main" xmlns="" id="{4DCA35AB-28E8-498F-BE5A-B0047D903C59}"/>
+                <a16:creationId xmlns:a16="http://schemas.microsoft.com/office/drawing/2014/main" id="{4DCA35AB-28E8-498F-BE5A-B0047D903C59}"/>
               </a:ext>
             </a:extLst>
           </p:cNvPr>
@@ -9443,7 +9419,7 @@
           <p:cNvPr id="3" name="Content Placeholder 2">
             <a:extLst>
               <a:ext uri="{FF2B5EF4-FFF2-40B4-BE49-F238E27FC236}">
-                <a16:creationId xmlns:a16="http://schemas.microsoft.com/office/drawing/2014/main" xmlns="" id="{58D32B77-4DC4-40CD-9304-E1C167988968}"/>
+                <a16:creationId xmlns:a16="http://schemas.microsoft.com/office/drawing/2014/main" id="{58D32B77-4DC4-40CD-9304-E1C167988968}"/>
               </a:ext>
             </a:extLst>
           </p:cNvPr>
@@ -9590,7 +9566,7 @@
           <p:cNvPr id="2" name="Title 1">
             <a:extLst>
               <a:ext uri="{FF2B5EF4-FFF2-40B4-BE49-F238E27FC236}">
-                <a16:creationId xmlns:a16="http://schemas.microsoft.com/office/drawing/2014/main" xmlns="" id="{288E57C5-AF74-4D0D-BA5F-8074428FD772}"/>
+                <a16:creationId xmlns:a16="http://schemas.microsoft.com/office/drawing/2014/main" id="{288E57C5-AF74-4D0D-BA5F-8074428FD772}"/>
               </a:ext>
             </a:extLst>
           </p:cNvPr>
@@ -9623,7 +9599,7 @@
           <p:cNvPr id="3" name="Content Placeholder 2">
             <a:extLst>
               <a:ext uri="{FF2B5EF4-FFF2-40B4-BE49-F238E27FC236}">
-                <a16:creationId xmlns:a16="http://schemas.microsoft.com/office/drawing/2014/main" xmlns="" id="{8033C88B-5DB0-424F-8FD9-921A781D312C}"/>
+                <a16:creationId xmlns:a16="http://schemas.microsoft.com/office/drawing/2014/main" id="{8033C88B-5DB0-424F-8FD9-921A781D312C}"/>
               </a:ext>
             </a:extLst>
           </p:cNvPr>
@@ -9769,7 +9745,7 @@
           <p:cNvPr id="2" name="Title 1">
             <a:extLst>
               <a:ext uri="{FF2B5EF4-FFF2-40B4-BE49-F238E27FC236}">
-                <a16:creationId xmlns:a16="http://schemas.microsoft.com/office/drawing/2014/main" xmlns="" id="{AD70B2D7-9726-440E-BFD4-AEB40A0C5726}"/>
+                <a16:creationId xmlns:a16="http://schemas.microsoft.com/office/drawing/2014/main" id="{AD70B2D7-9726-440E-BFD4-AEB40A0C5726}"/>
               </a:ext>
             </a:extLst>
           </p:cNvPr>
@@ -9802,7 +9778,7 @@
           <p:cNvPr id="3" name="Content Placeholder 2">
             <a:extLst>
               <a:ext uri="{FF2B5EF4-FFF2-40B4-BE49-F238E27FC236}">
-                <a16:creationId xmlns:a16="http://schemas.microsoft.com/office/drawing/2014/main" xmlns="" id="{46CDCA3C-E14D-4A7F-BAA5-2E20B3C5ED82}"/>
+                <a16:creationId xmlns:a16="http://schemas.microsoft.com/office/drawing/2014/main" id="{46CDCA3C-E14D-4A7F-BAA5-2E20B3C5ED82}"/>
               </a:ext>
             </a:extLst>
           </p:cNvPr>
@@ -9896,7 +9872,7 @@
           <p:cNvPr id="2" name="Title 1">
             <a:extLst>
               <a:ext uri="{FF2B5EF4-FFF2-40B4-BE49-F238E27FC236}">
-                <a16:creationId xmlns:a16="http://schemas.microsoft.com/office/drawing/2014/main" xmlns="" id="{99462978-3232-4453-BEAD-C4984E6E3877}"/>
+                <a16:creationId xmlns:a16="http://schemas.microsoft.com/office/drawing/2014/main" id="{99462978-3232-4453-BEAD-C4984E6E3877}"/>
               </a:ext>
             </a:extLst>
           </p:cNvPr>
@@ -9929,7 +9905,7 @@
           <p:cNvPr id="3" name="Content Placeholder 2">
             <a:extLst>
               <a:ext uri="{FF2B5EF4-FFF2-40B4-BE49-F238E27FC236}">
-                <a16:creationId xmlns:a16="http://schemas.microsoft.com/office/drawing/2014/main" xmlns="" id="{1039A84A-A509-4E0D-81AE-DE70816F2D83}"/>
+                <a16:creationId xmlns:a16="http://schemas.microsoft.com/office/drawing/2014/main" id="{1039A84A-A509-4E0D-81AE-DE70816F2D83}"/>
               </a:ext>
             </a:extLst>
           </p:cNvPr>
@@ -10051,7 +10027,7 @@
           <p:cNvPr id="2" name="Title 1">
             <a:extLst>
               <a:ext uri="{FF2B5EF4-FFF2-40B4-BE49-F238E27FC236}">
-                <a16:creationId xmlns:a16="http://schemas.microsoft.com/office/drawing/2014/main" xmlns="" id="{2EF42FAD-E3B8-4341-AE1C-81E25BC72BDD}"/>
+                <a16:creationId xmlns:a16="http://schemas.microsoft.com/office/drawing/2014/main" id="{2EF42FAD-E3B8-4341-AE1C-81E25BC72BDD}"/>
               </a:ext>
             </a:extLst>
           </p:cNvPr>
@@ -10115,7 +10091,7 @@
           <p:cNvPr id="2" name="Title 1">
             <a:extLst>
               <a:ext uri="{FF2B5EF4-FFF2-40B4-BE49-F238E27FC236}">
-                <a16:creationId xmlns:a16="http://schemas.microsoft.com/office/drawing/2014/main" xmlns="" id="{232D871F-1D36-4CEC-A415-D0166A1CC9EF}"/>
+                <a16:creationId xmlns:a16="http://schemas.microsoft.com/office/drawing/2014/main" id="{232D871F-1D36-4CEC-A415-D0166A1CC9EF}"/>
               </a:ext>
             </a:extLst>
           </p:cNvPr>
@@ -10148,7 +10124,7 @@
           <p:cNvPr id="4" name="Content Placeholder 3">
             <a:extLst>
               <a:ext uri="{FF2B5EF4-FFF2-40B4-BE49-F238E27FC236}">
-                <a16:creationId xmlns:a16="http://schemas.microsoft.com/office/drawing/2014/main" xmlns="" id="{C096C36D-465B-4314-8466-158446E03ED3}"/>
+                <a16:creationId xmlns:a16="http://schemas.microsoft.com/office/drawing/2014/main" id="{C096C36D-465B-4314-8466-158446E03ED3}"/>
               </a:ext>
             </a:extLst>
           </p:cNvPr>
@@ -10178,28 +10154,28 @@
                 <a:gridCol w="2705100">
                   <a:extLst>
                     <a:ext uri="{9D8B030D-6E8A-4147-A177-3AD203B41FA5}">
-                      <a16:colId xmlns:a16="http://schemas.microsoft.com/office/drawing/2014/main" xmlns="" val="3537826035"/>
+                      <a16:colId xmlns:a16="http://schemas.microsoft.com/office/drawing/2014/main" val="3537826035"/>
                     </a:ext>
                   </a:extLst>
                 </a:gridCol>
                 <a:gridCol w="2705100">
                   <a:extLst>
                     <a:ext uri="{9D8B030D-6E8A-4147-A177-3AD203B41FA5}">
-                      <a16:colId xmlns:a16="http://schemas.microsoft.com/office/drawing/2014/main" xmlns="" val="580579771"/>
+                      <a16:colId xmlns:a16="http://schemas.microsoft.com/office/drawing/2014/main" val="580579771"/>
                     </a:ext>
                   </a:extLst>
                 </a:gridCol>
                 <a:gridCol w="2705100">
                   <a:extLst>
                     <a:ext uri="{9D8B030D-6E8A-4147-A177-3AD203B41FA5}">
-                      <a16:colId xmlns:a16="http://schemas.microsoft.com/office/drawing/2014/main" xmlns="" val="931372600"/>
+                      <a16:colId xmlns:a16="http://schemas.microsoft.com/office/drawing/2014/main" val="931372600"/>
                     </a:ext>
                   </a:extLst>
                 </a:gridCol>
                 <a:gridCol w="2705100">
                   <a:extLst>
                     <a:ext uri="{9D8B030D-6E8A-4147-A177-3AD203B41FA5}">
-                      <a16:colId xmlns:a16="http://schemas.microsoft.com/office/drawing/2014/main" xmlns="" val="1223455300"/>
+                      <a16:colId xmlns:a16="http://schemas.microsoft.com/office/drawing/2014/main" val="1223455300"/>
                     </a:ext>
                   </a:extLst>
                 </a:gridCol>
@@ -10259,7 +10235,7 @@
                 </a:tc>
                 <a:extLst>
                   <a:ext uri="{0D108BD9-81ED-4DB2-BD59-A6C34878D82A}">
-                    <a16:rowId xmlns:a16="http://schemas.microsoft.com/office/drawing/2014/main" xmlns="" val="613090373"/>
+                    <a16:rowId xmlns:a16="http://schemas.microsoft.com/office/drawing/2014/main" val="613090373"/>
                   </a:ext>
                 </a:extLst>
               </a:tr>
@@ -10318,7 +10294,7 @@
                 </a:tc>
                 <a:extLst>
                   <a:ext uri="{0D108BD9-81ED-4DB2-BD59-A6C34878D82A}">
-                    <a16:rowId xmlns:a16="http://schemas.microsoft.com/office/drawing/2014/main" xmlns="" val="4286722137"/>
+                    <a16:rowId xmlns:a16="http://schemas.microsoft.com/office/drawing/2014/main" val="4286722137"/>
                   </a:ext>
                 </a:extLst>
               </a:tr>
@@ -10377,7 +10353,7 @@
                 </a:tc>
                 <a:extLst>
                   <a:ext uri="{0D108BD9-81ED-4DB2-BD59-A6C34878D82A}">
-                    <a16:rowId xmlns:a16="http://schemas.microsoft.com/office/drawing/2014/main" xmlns="" val="3983120897"/>
+                    <a16:rowId xmlns:a16="http://schemas.microsoft.com/office/drawing/2014/main" val="3983120897"/>
                   </a:ext>
                 </a:extLst>
               </a:tr>
@@ -10436,7 +10412,7 @@
                 </a:tc>
                 <a:extLst>
                   <a:ext uri="{0D108BD9-81ED-4DB2-BD59-A6C34878D82A}">
-                    <a16:rowId xmlns:a16="http://schemas.microsoft.com/office/drawing/2014/main" xmlns="" val="3010896114"/>
+                    <a16:rowId xmlns:a16="http://schemas.microsoft.com/office/drawing/2014/main" val="3010896114"/>
                   </a:ext>
                 </a:extLst>
               </a:tr>
@@ -10495,7 +10471,7 @@
                 </a:tc>
                 <a:extLst>
                   <a:ext uri="{0D108BD9-81ED-4DB2-BD59-A6C34878D82A}">
-                    <a16:rowId xmlns:a16="http://schemas.microsoft.com/office/drawing/2014/main" xmlns="" val="985641771"/>
+                    <a16:rowId xmlns:a16="http://schemas.microsoft.com/office/drawing/2014/main" val="985641771"/>
                   </a:ext>
                 </a:extLst>
               </a:tr>
@@ -10554,7 +10530,7 @@
                 </a:tc>
                 <a:extLst>
                   <a:ext uri="{0D108BD9-81ED-4DB2-BD59-A6C34878D82A}">
-                    <a16:rowId xmlns:a16="http://schemas.microsoft.com/office/drawing/2014/main" xmlns="" val="3770458756"/>
+                    <a16:rowId xmlns:a16="http://schemas.microsoft.com/office/drawing/2014/main" val="3770458756"/>
                   </a:ext>
                 </a:extLst>
               </a:tr>
@@ -10597,7 +10573,7 @@
           <p:cNvPr id="2" name="Title 1">
             <a:extLst>
               <a:ext uri="{FF2B5EF4-FFF2-40B4-BE49-F238E27FC236}">
-                <a16:creationId xmlns:a16="http://schemas.microsoft.com/office/drawing/2014/main" xmlns="" id="{232D871F-1D36-4CEC-A415-D0166A1CC9EF}"/>
+                <a16:creationId xmlns:a16="http://schemas.microsoft.com/office/drawing/2014/main" id="{232D871F-1D36-4CEC-A415-D0166A1CC9EF}"/>
               </a:ext>
             </a:extLst>
           </p:cNvPr>
@@ -10634,7 +10610,7 @@
           <p:cNvPr id="6" name="Content Placeholder 5">
             <a:extLst>
               <a:ext uri="{FF2B5EF4-FFF2-40B4-BE49-F238E27FC236}">
-                <a16:creationId xmlns:a16="http://schemas.microsoft.com/office/drawing/2014/main" xmlns="" id="{169BE3A1-1F21-4970-BC8D-CC9864681860}"/>
+                <a16:creationId xmlns:a16="http://schemas.microsoft.com/office/drawing/2014/main" id="{169BE3A1-1F21-4970-BC8D-CC9864681860}"/>
               </a:ext>
             </a:extLst>
           </p:cNvPr>
@@ -10664,21 +10640,21 @@
                 <a:gridCol w="3606800">
                   <a:extLst>
                     <a:ext uri="{9D8B030D-6E8A-4147-A177-3AD203B41FA5}">
-                      <a16:colId xmlns:a16="http://schemas.microsoft.com/office/drawing/2014/main" xmlns="" val="231868300"/>
+                      <a16:colId xmlns:a16="http://schemas.microsoft.com/office/drawing/2014/main" val="231868300"/>
                     </a:ext>
                   </a:extLst>
                 </a:gridCol>
                 <a:gridCol w="3606800">
                   <a:extLst>
                     <a:ext uri="{9D8B030D-6E8A-4147-A177-3AD203B41FA5}">
-                      <a16:colId xmlns:a16="http://schemas.microsoft.com/office/drawing/2014/main" xmlns="" val="795381272"/>
+                      <a16:colId xmlns:a16="http://schemas.microsoft.com/office/drawing/2014/main" val="795381272"/>
                     </a:ext>
                   </a:extLst>
                 </a:gridCol>
                 <a:gridCol w="3606800">
                   <a:extLst>
                     <a:ext uri="{9D8B030D-6E8A-4147-A177-3AD203B41FA5}">
-                      <a16:colId xmlns:a16="http://schemas.microsoft.com/office/drawing/2014/main" xmlns="" val="2767942036"/>
+                      <a16:colId xmlns:a16="http://schemas.microsoft.com/office/drawing/2014/main" val="2767942036"/>
                     </a:ext>
                   </a:extLst>
                 </a:gridCol>
@@ -10725,7 +10701,7 @@
                 </a:tc>
                 <a:extLst>
                   <a:ext uri="{0D108BD9-81ED-4DB2-BD59-A6C34878D82A}">
-                    <a16:rowId xmlns:a16="http://schemas.microsoft.com/office/drawing/2014/main" xmlns="" val="4099525401"/>
+                    <a16:rowId xmlns:a16="http://schemas.microsoft.com/office/drawing/2014/main" val="4099525401"/>
                   </a:ext>
                 </a:extLst>
               </a:tr>
@@ -10788,7 +10764,7 @@
                 </a:tc>
                 <a:extLst>
                   <a:ext uri="{0D108BD9-81ED-4DB2-BD59-A6C34878D82A}">
-                    <a16:rowId xmlns:a16="http://schemas.microsoft.com/office/drawing/2014/main" xmlns="" val="2228498627"/>
+                    <a16:rowId xmlns:a16="http://schemas.microsoft.com/office/drawing/2014/main" val="2228498627"/>
                   </a:ext>
                 </a:extLst>
               </a:tr>
@@ -10851,7 +10827,7 @@
                 </a:tc>
                 <a:extLst>
                   <a:ext uri="{0D108BD9-81ED-4DB2-BD59-A6C34878D82A}">
-                    <a16:rowId xmlns:a16="http://schemas.microsoft.com/office/drawing/2014/main" xmlns="" val="306285217"/>
+                    <a16:rowId xmlns:a16="http://schemas.microsoft.com/office/drawing/2014/main" val="306285217"/>
                   </a:ext>
                 </a:extLst>
               </a:tr>
@@ -10897,7 +10873,7 @@
                 </a:tc>
                 <a:extLst>
                   <a:ext uri="{0D108BD9-81ED-4DB2-BD59-A6C34878D82A}">
-                    <a16:rowId xmlns:a16="http://schemas.microsoft.com/office/drawing/2014/main" xmlns="" val="3066008448"/>
+                    <a16:rowId xmlns:a16="http://schemas.microsoft.com/office/drawing/2014/main" val="3066008448"/>
                   </a:ext>
                 </a:extLst>
               </a:tr>
@@ -10943,7 +10919,7 @@
                 </a:tc>
                 <a:extLst>
                   <a:ext uri="{0D108BD9-81ED-4DB2-BD59-A6C34878D82A}">
-                    <a16:rowId xmlns:a16="http://schemas.microsoft.com/office/drawing/2014/main" xmlns="" val="3464641508"/>
+                    <a16:rowId xmlns:a16="http://schemas.microsoft.com/office/drawing/2014/main" val="3464641508"/>
                   </a:ext>
                 </a:extLst>
               </a:tr>
@@ -10986,7 +10962,7 @@
           <p:cNvPr id="2" name="Title 1">
             <a:extLst>
               <a:ext uri="{FF2B5EF4-FFF2-40B4-BE49-F238E27FC236}">
-                <a16:creationId xmlns:a16="http://schemas.microsoft.com/office/drawing/2014/main" xmlns="" id="{3B22EB74-0C2E-4E9D-B516-0D4F1D09B246}"/>
+                <a16:creationId xmlns:a16="http://schemas.microsoft.com/office/drawing/2014/main" id="{3B22EB74-0C2E-4E9D-B516-0D4F1D09B246}"/>
               </a:ext>
             </a:extLst>
           </p:cNvPr>
@@ -11019,7 +10995,7 @@
           <p:cNvPr id="4" name="Content Placeholder 3">
             <a:extLst>
               <a:ext uri="{FF2B5EF4-FFF2-40B4-BE49-F238E27FC236}">
-                <a16:creationId xmlns:a16="http://schemas.microsoft.com/office/drawing/2014/main" xmlns="" id="{8C871308-83B5-4562-8FE6-EE95CD7038A8}"/>
+                <a16:creationId xmlns:a16="http://schemas.microsoft.com/office/drawing/2014/main" id="{8C871308-83B5-4562-8FE6-EE95CD7038A8}"/>
               </a:ext>
             </a:extLst>
           </p:cNvPr>
@@ -11049,14 +11025,14 @@
                 <a:gridCol w="5410200">
                   <a:extLst>
                     <a:ext uri="{9D8B030D-6E8A-4147-A177-3AD203B41FA5}">
-                      <a16:colId xmlns:a16="http://schemas.microsoft.com/office/drawing/2014/main" xmlns="" val="3726993347"/>
+                      <a16:colId xmlns:a16="http://schemas.microsoft.com/office/drawing/2014/main" val="3726993347"/>
                     </a:ext>
                   </a:extLst>
                 </a:gridCol>
                 <a:gridCol w="5410200">
                   <a:extLst>
                     <a:ext uri="{9D8B030D-6E8A-4147-A177-3AD203B41FA5}">
-                      <a16:colId xmlns:a16="http://schemas.microsoft.com/office/drawing/2014/main" xmlns="" val="402222620"/>
+                      <a16:colId xmlns:a16="http://schemas.microsoft.com/office/drawing/2014/main" val="402222620"/>
                     </a:ext>
                   </a:extLst>
                 </a:gridCol>
@@ -11120,7 +11096,7 @@
                 </a:tc>
                 <a:extLst>
                   <a:ext uri="{0D108BD9-81ED-4DB2-BD59-A6C34878D82A}">
-                    <a16:rowId xmlns:a16="http://schemas.microsoft.com/office/drawing/2014/main" xmlns="" val="522159643"/>
+                    <a16:rowId xmlns:a16="http://schemas.microsoft.com/office/drawing/2014/main" val="522159643"/>
                   </a:ext>
                 </a:extLst>
               </a:tr>
@@ -11183,7 +11159,7 @@
                 </a:tc>
                 <a:extLst>
                   <a:ext uri="{0D108BD9-81ED-4DB2-BD59-A6C34878D82A}">
-                    <a16:rowId xmlns:a16="http://schemas.microsoft.com/office/drawing/2014/main" xmlns="" val="2788558951"/>
+                    <a16:rowId xmlns:a16="http://schemas.microsoft.com/office/drawing/2014/main" val="2788558951"/>
                   </a:ext>
                 </a:extLst>
               </a:tr>
@@ -11196,7 +11172,7 @@
           <p:cNvPr id="5" name="TextBox 4">
             <a:extLst>
               <a:ext uri="{FF2B5EF4-FFF2-40B4-BE49-F238E27FC236}">
-                <a16:creationId xmlns:a16="http://schemas.microsoft.com/office/drawing/2014/main" xmlns="" id="{2AC419F9-91DF-4351-8009-FA2F2E004F76}"/>
+                <a16:creationId xmlns:a16="http://schemas.microsoft.com/office/drawing/2014/main" id="{2AC419F9-91DF-4351-8009-FA2F2E004F76}"/>
               </a:ext>
             </a:extLst>
           </p:cNvPr>
@@ -11267,7 +11243,7 @@
           <p:cNvPr id="2" name="Title 1">
             <a:extLst>
               <a:ext uri="{FF2B5EF4-FFF2-40B4-BE49-F238E27FC236}">
-                <a16:creationId xmlns:a16="http://schemas.microsoft.com/office/drawing/2014/main" xmlns="" id="{4D55C588-DA6B-4812-88E5-B4E8217D7811}"/>
+                <a16:creationId xmlns:a16="http://schemas.microsoft.com/office/drawing/2014/main" id="{4D55C588-DA6B-4812-88E5-B4E8217D7811}"/>
               </a:ext>
             </a:extLst>
           </p:cNvPr>
@@ -11300,7 +11276,7 @@
           <p:cNvPr id="7" name="Content Placeholder 6">
             <a:extLst>
               <a:ext uri="{FF2B5EF4-FFF2-40B4-BE49-F238E27FC236}">
-                <a16:creationId xmlns:a16="http://schemas.microsoft.com/office/drawing/2014/main" xmlns="" id="{01D99A1F-7FC1-4136-AAEE-7F6B175391B8}"/>
+                <a16:creationId xmlns:a16="http://schemas.microsoft.com/office/drawing/2014/main" id="{01D99A1F-7FC1-4136-AAEE-7F6B175391B8}"/>
               </a:ext>
             </a:extLst>
           </p:cNvPr>
@@ -11330,21 +11306,21 @@
                 <a:gridCol w="2164080">
                   <a:extLst>
                     <a:ext uri="{9D8B030D-6E8A-4147-A177-3AD203B41FA5}">
-                      <a16:colId xmlns:a16="http://schemas.microsoft.com/office/drawing/2014/main" xmlns="" val="2668851572"/>
+                      <a16:colId xmlns:a16="http://schemas.microsoft.com/office/drawing/2014/main" val="2668851572"/>
                     </a:ext>
                   </a:extLst>
                 </a:gridCol>
                 <a:gridCol w="2164080">
                   <a:extLst>
                     <a:ext uri="{9D8B030D-6E8A-4147-A177-3AD203B41FA5}">
-                      <a16:colId xmlns:a16="http://schemas.microsoft.com/office/drawing/2014/main" xmlns="" val="1247528497"/>
+                      <a16:colId xmlns:a16="http://schemas.microsoft.com/office/drawing/2014/main" val="1247528497"/>
                     </a:ext>
                   </a:extLst>
                 </a:gridCol>
                 <a:gridCol w="2164080">
                   <a:extLst>
                     <a:ext uri="{9D8B030D-6E8A-4147-A177-3AD203B41FA5}">
-                      <a16:colId xmlns:a16="http://schemas.microsoft.com/office/drawing/2014/main" xmlns="" val="627313469"/>
+                      <a16:colId xmlns:a16="http://schemas.microsoft.com/office/drawing/2014/main" val="627313469"/>
                     </a:ext>
                   </a:extLst>
                 </a:gridCol>
@@ -11391,7 +11367,7 @@
                 </a:tc>
                 <a:extLst>
                   <a:ext uri="{0D108BD9-81ED-4DB2-BD59-A6C34878D82A}">
-                    <a16:rowId xmlns:a16="http://schemas.microsoft.com/office/drawing/2014/main" xmlns="" val="2948383239"/>
+                    <a16:rowId xmlns:a16="http://schemas.microsoft.com/office/drawing/2014/main" val="2948383239"/>
                   </a:ext>
                 </a:extLst>
               </a:tr>
@@ -11473,7 +11449,7 @@
                 </a:tc>
                 <a:extLst>
                   <a:ext uri="{0D108BD9-81ED-4DB2-BD59-A6C34878D82A}">
-                    <a16:rowId xmlns:a16="http://schemas.microsoft.com/office/drawing/2014/main" xmlns="" val="2678488602"/>
+                    <a16:rowId xmlns:a16="http://schemas.microsoft.com/office/drawing/2014/main" val="2678488602"/>
                   </a:ext>
                 </a:extLst>
               </a:tr>
@@ -11555,7 +11531,7 @@
                 </a:tc>
                 <a:extLst>
                   <a:ext uri="{0D108BD9-81ED-4DB2-BD59-A6C34878D82A}">
-                    <a16:rowId xmlns:a16="http://schemas.microsoft.com/office/drawing/2014/main" xmlns="" val="2583350135"/>
+                    <a16:rowId xmlns:a16="http://schemas.microsoft.com/office/drawing/2014/main" val="2583350135"/>
                   </a:ext>
                 </a:extLst>
               </a:tr>
@@ -11613,7 +11589,7 @@
                 </a:tc>
                 <a:extLst>
                   <a:ext uri="{0D108BD9-81ED-4DB2-BD59-A6C34878D82A}">
-                    <a16:rowId xmlns:a16="http://schemas.microsoft.com/office/drawing/2014/main" xmlns="" val="3446103424"/>
+                    <a16:rowId xmlns:a16="http://schemas.microsoft.com/office/drawing/2014/main" val="3446103424"/>
                   </a:ext>
                 </a:extLst>
               </a:tr>
@@ -11656,7 +11632,7 @@
           <p:cNvPr id="2" name="Title 1">
             <a:extLst>
               <a:ext uri="{FF2B5EF4-FFF2-40B4-BE49-F238E27FC236}">
-                <a16:creationId xmlns:a16="http://schemas.microsoft.com/office/drawing/2014/main" xmlns="" id="{BCCF2B0E-C84C-44C9-A333-A0786736C2EE}"/>
+                <a16:creationId xmlns:a16="http://schemas.microsoft.com/office/drawing/2014/main" id="{BCCF2B0E-C84C-44C9-A333-A0786736C2EE}"/>
               </a:ext>
             </a:extLst>
           </p:cNvPr>
@@ -11689,7 +11665,7 @@
           <p:cNvPr id="4" name="Content Placeholder 3">
             <a:extLst>
               <a:ext uri="{FF2B5EF4-FFF2-40B4-BE49-F238E27FC236}">
-                <a16:creationId xmlns:a16="http://schemas.microsoft.com/office/drawing/2014/main" xmlns="" id="{64DAB494-F4B2-452D-A930-6E7DFFF8DA88}"/>
+                <a16:creationId xmlns:a16="http://schemas.microsoft.com/office/drawing/2014/main" id="{64DAB494-F4B2-452D-A930-6E7DFFF8DA88}"/>
               </a:ext>
             </a:extLst>
           </p:cNvPr>
@@ -11719,14 +11695,14 @@
                 <a:gridCol w="5410200">
                   <a:extLst>
                     <a:ext uri="{9D8B030D-6E8A-4147-A177-3AD203B41FA5}">
-                      <a16:colId xmlns:a16="http://schemas.microsoft.com/office/drawing/2014/main" xmlns="" val="4169854669"/>
+                      <a16:colId xmlns:a16="http://schemas.microsoft.com/office/drawing/2014/main" val="4169854669"/>
                     </a:ext>
                   </a:extLst>
                 </a:gridCol>
                 <a:gridCol w="5410200">
                   <a:extLst>
                     <a:ext uri="{9D8B030D-6E8A-4147-A177-3AD203B41FA5}">
-                      <a16:colId xmlns:a16="http://schemas.microsoft.com/office/drawing/2014/main" xmlns="" val="3513574493"/>
+                      <a16:colId xmlns:a16="http://schemas.microsoft.com/office/drawing/2014/main" val="3513574493"/>
                     </a:ext>
                   </a:extLst>
                 </a:gridCol>
@@ -11760,7 +11736,7 @@
                 </a:tc>
                 <a:extLst>
                   <a:ext uri="{0D108BD9-81ED-4DB2-BD59-A6C34878D82A}">
-                    <a16:rowId xmlns:a16="http://schemas.microsoft.com/office/drawing/2014/main" xmlns="" val="3585576946"/>
+                    <a16:rowId xmlns:a16="http://schemas.microsoft.com/office/drawing/2014/main" val="3585576946"/>
                   </a:ext>
                 </a:extLst>
               </a:tr>
@@ -11793,7 +11769,7 @@
                 </a:tc>
                 <a:extLst>
                   <a:ext uri="{0D108BD9-81ED-4DB2-BD59-A6C34878D82A}">
-                    <a16:rowId xmlns:a16="http://schemas.microsoft.com/office/drawing/2014/main" xmlns="" val="1581426265"/>
+                    <a16:rowId xmlns:a16="http://schemas.microsoft.com/office/drawing/2014/main" val="1581426265"/>
                   </a:ext>
                 </a:extLst>
               </a:tr>
@@ -11826,7 +11802,7 @@
                 </a:tc>
                 <a:extLst>
                   <a:ext uri="{0D108BD9-81ED-4DB2-BD59-A6C34878D82A}">
-                    <a16:rowId xmlns:a16="http://schemas.microsoft.com/office/drawing/2014/main" xmlns="" val="1452573962"/>
+                    <a16:rowId xmlns:a16="http://schemas.microsoft.com/office/drawing/2014/main" val="1452573962"/>
                   </a:ext>
                 </a:extLst>
               </a:tr>
@@ -11859,7 +11835,7 @@
                 </a:tc>
                 <a:extLst>
                   <a:ext uri="{0D108BD9-81ED-4DB2-BD59-A6C34878D82A}">
-                    <a16:rowId xmlns:a16="http://schemas.microsoft.com/office/drawing/2014/main" xmlns="" val="3946378341"/>
+                    <a16:rowId xmlns:a16="http://schemas.microsoft.com/office/drawing/2014/main" val="3946378341"/>
                   </a:ext>
                 </a:extLst>
               </a:tr>
@@ -11892,7 +11868,7 @@
                 </a:tc>
                 <a:extLst>
                   <a:ext uri="{0D108BD9-81ED-4DB2-BD59-A6C34878D82A}">
-                    <a16:rowId xmlns:a16="http://schemas.microsoft.com/office/drawing/2014/main" xmlns="" val="3735688514"/>
+                    <a16:rowId xmlns:a16="http://schemas.microsoft.com/office/drawing/2014/main" val="3735688514"/>
                   </a:ext>
                 </a:extLst>
               </a:tr>
@@ -11925,7 +11901,7 @@
                 </a:tc>
                 <a:extLst>
                   <a:ext uri="{0D108BD9-81ED-4DB2-BD59-A6C34878D82A}">
-                    <a16:rowId xmlns:a16="http://schemas.microsoft.com/office/drawing/2014/main" xmlns="" val="2790666564"/>
+                    <a16:rowId xmlns:a16="http://schemas.microsoft.com/office/drawing/2014/main" val="2790666564"/>
                   </a:ext>
                 </a:extLst>
               </a:tr>
@@ -11958,7 +11934,7 @@
                 </a:tc>
                 <a:extLst>
                   <a:ext uri="{0D108BD9-81ED-4DB2-BD59-A6C34878D82A}">
-                    <a16:rowId xmlns:a16="http://schemas.microsoft.com/office/drawing/2014/main" xmlns="" val="3647197365"/>
+                    <a16:rowId xmlns:a16="http://schemas.microsoft.com/office/drawing/2014/main" val="3647197365"/>
                   </a:ext>
                 </a:extLst>
               </a:tr>
@@ -11971,7 +11947,7 @@
           <p:cNvPr id="5" name="TextBox 4">
             <a:extLst>
               <a:ext uri="{FF2B5EF4-FFF2-40B4-BE49-F238E27FC236}">
-                <a16:creationId xmlns:a16="http://schemas.microsoft.com/office/drawing/2014/main" xmlns="" id="{43B828B0-CC2D-4458-B446-3A4975816BB7}"/>
+                <a16:creationId xmlns:a16="http://schemas.microsoft.com/office/drawing/2014/main" id="{43B828B0-CC2D-4458-B446-3A4975816BB7}"/>
               </a:ext>
             </a:extLst>
           </p:cNvPr>
@@ -12036,7 +12012,7 @@
           <p:cNvPr id="2" name="Title 1">
             <a:extLst>
               <a:ext uri="{FF2B5EF4-FFF2-40B4-BE49-F238E27FC236}">
-                <a16:creationId xmlns:a16="http://schemas.microsoft.com/office/drawing/2014/main" xmlns="" id="{1C567096-789C-4489-B659-2262332EB2CC}"/>
+                <a16:creationId xmlns:a16="http://schemas.microsoft.com/office/drawing/2014/main" id="{1C567096-789C-4489-B659-2262332EB2CC}"/>
               </a:ext>
             </a:extLst>
           </p:cNvPr>
@@ -12099,7 +12075,7 @@
           <p:cNvPr id="3" name="Content Placeholder 2">
             <a:extLst>
               <a:ext uri="{FF2B5EF4-FFF2-40B4-BE49-F238E27FC236}">
-                <a16:creationId xmlns:a16="http://schemas.microsoft.com/office/drawing/2014/main" xmlns="" id="{4E1334CB-DE1A-4E43-BDF5-93C8EBD1CF20}"/>
+                <a16:creationId xmlns:a16="http://schemas.microsoft.com/office/drawing/2014/main" id="{4E1334CB-DE1A-4E43-BDF5-93C8EBD1CF20}"/>
               </a:ext>
             </a:extLst>
           </p:cNvPr>
@@ -12155,7 +12131,7 @@
           <p:cNvPr id="5" name="Content Placeholder 2">
             <a:extLst>
               <a:ext uri="{FF2B5EF4-FFF2-40B4-BE49-F238E27FC236}">
-                <a16:creationId xmlns:a16="http://schemas.microsoft.com/office/drawing/2014/main" xmlns="" id="{FD8FE18F-D72F-4E01-8CAF-BE656481AE5D}"/>
+                <a16:creationId xmlns:a16="http://schemas.microsoft.com/office/drawing/2014/main" id="{FD8FE18F-D72F-4E01-8CAF-BE656481AE5D}"/>
               </a:ext>
             </a:extLst>
           </p:cNvPr>
@@ -12388,7 +12364,7 @@
           <p:cNvPr id="2" name="Title 1">
             <a:extLst>
               <a:ext uri="{FF2B5EF4-FFF2-40B4-BE49-F238E27FC236}">
-                <a16:creationId xmlns:a16="http://schemas.microsoft.com/office/drawing/2014/main" xmlns="" id="{1BEBA1F9-CFB7-41CB-A5AE-F0AD459428F5}"/>
+                <a16:creationId xmlns:a16="http://schemas.microsoft.com/office/drawing/2014/main" id="{1BEBA1F9-CFB7-41CB-A5AE-F0AD459428F5}"/>
               </a:ext>
             </a:extLst>
           </p:cNvPr>
@@ -12421,7 +12397,7 @@
           <p:cNvPr id="3" name="Content Placeholder 2">
             <a:extLst>
               <a:ext uri="{FF2B5EF4-FFF2-40B4-BE49-F238E27FC236}">
-                <a16:creationId xmlns:a16="http://schemas.microsoft.com/office/drawing/2014/main" xmlns="" id="{126F1AE2-708B-4635-8C16-DFDF432F5344}"/>
+                <a16:creationId xmlns:a16="http://schemas.microsoft.com/office/drawing/2014/main" id="{126F1AE2-708B-4635-8C16-DFDF432F5344}"/>
               </a:ext>
             </a:extLst>
           </p:cNvPr>
@@ -12573,7 +12549,7 @@
           <p:cNvPr id="2" name="Title 1">
             <a:extLst>
               <a:ext uri="{FF2B5EF4-FFF2-40B4-BE49-F238E27FC236}">
-                <a16:creationId xmlns:a16="http://schemas.microsoft.com/office/drawing/2014/main" xmlns="" id="{928AAEEA-1F3D-4AF8-B693-F3ABF73E206B}"/>
+                <a16:creationId xmlns:a16="http://schemas.microsoft.com/office/drawing/2014/main" id="{928AAEEA-1F3D-4AF8-B693-F3ABF73E206B}"/>
               </a:ext>
             </a:extLst>
           </p:cNvPr>
@@ -12636,7 +12612,7 @@
           <p:cNvPr id="7" name="Content Placeholder 6">
             <a:extLst>
               <a:ext uri="{FF2B5EF4-FFF2-40B4-BE49-F238E27FC236}">
-                <a16:creationId xmlns:a16="http://schemas.microsoft.com/office/drawing/2014/main" xmlns="" id="{725FC7D1-F3AB-405B-8175-98E93BF90533}"/>
+                <a16:creationId xmlns:a16="http://schemas.microsoft.com/office/drawing/2014/main" id="{725FC7D1-F3AB-405B-8175-98E93BF90533}"/>
               </a:ext>
             </a:extLst>
           </p:cNvPr>
@@ -12666,21 +12642,21 @@
                 <a:gridCol w="3614420">
                   <a:extLst>
                     <a:ext uri="{9D8B030D-6E8A-4147-A177-3AD203B41FA5}">
-                      <a16:colId xmlns:a16="http://schemas.microsoft.com/office/drawing/2014/main" xmlns="" val="4266531515"/>
+                      <a16:colId xmlns:a16="http://schemas.microsoft.com/office/drawing/2014/main" val="4266531515"/>
                     </a:ext>
                   </a:extLst>
                 </a:gridCol>
                 <a:gridCol w="3614420">
                   <a:extLst>
                     <a:ext uri="{9D8B030D-6E8A-4147-A177-3AD203B41FA5}">
-                      <a16:colId xmlns:a16="http://schemas.microsoft.com/office/drawing/2014/main" xmlns="" val="3998640400"/>
+                      <a16:colId xmlns:a16="http://schemas.microsoft.com/office/drawing/2014/main" val="3998640400"/>
                     </a:ext>
                   </a:extLst>
                 </a:gridCol>
                 <a:gridCol w="3614420">
                   <a:extLst>
                     <a:ext uri="{9D8B030D-6E8A-4147-A177-3AD203B41FA5}">
-                      <a16:colId xmlns:a16="http://schemas.microsoft.com/office/drawing/2014/main" xmlns="" val="2059663391"/>
+                      <a16:colId xmlns:a16="http://schemas.microsoft.com/office/drawing/2014/main" val="2059663391"/>
                     </a:ext>
                   </a:extLst>
                 </a:gridCol>
@@ -12792,7 +12768,7 @@
                 </a:tc>
                 <a:extLst>
                   <a:ext uri="{0D108BD9-81ED-4DB2-BD59-A6C34878D82A}">
-                    <a16:rowId xmlns:a16="http://schemas.microsoft.com/office/drawing/2014/main" xmlns="" val="1273865024"/>
+                    <a16:rowId xmlns:a16="http://schemas.microsoft.com/office/drawing/2014/main" val="1273865024"/>
                   </a:ext>
                 </a:extLst>
               </a:tr>
@@ -12805,7 +12781,7 @@
           <p:cNvPr id="8" name="TextBox 7">
             <a:extLst>
               <a:ext uri="{FF2B5EF4-FFF2-40B4-BE49-F238E27FC236}">
-                <a16:creationId xmlns:a16="http://schemas.microsoft.com/office/drawing/2014/main" xmlns="" id="{30372054-D16E-483E-A813-D0C6E0945FFF}"/>
+                <a16:creationId xmlns:a16="http://schemas.microsoft.com/office/drawing/2014/main" id="{30372054-D16E-483E-A813-D0C6E0945FFF}"/>
               </a:ext>
             </a:extLst>
           </p:cNvPr>
@@ -12890,7 +12866,7 @@
           <p:cNvPr id="2" name="Title 1">
             <a:extLst>
               <a:ext uri="{FF2B5EF4-FFF2-40B4-BE49-F238E27FC236}">
-                <a16:creationId xmlns:a16="http://schemas.microsoft.com/office/drawing/2014/main" xmlns="" id="{A181FC50-F4FF-48B1-9202-22F8EA0C221B}"/>
+                <a16:creationId xmlns:a16="http://schemas.microsoft.com/office/drawing/2014/main" id="{A181FC50-F4FF-48B1-9202-22F8EA0C221B}"/>
               </a:ext>
             </a:extLst>
           </p:cNvPr>
@@ -12923,7 +12899,7 @@
           <p:cNvPr id="3" name="Content Placeholder 2">
             <a:extLst>
               <a:ext uri="{FF2B5EF4-FFF2-40B4-BE49-F238E27FC236}">
-                <a16:creationId xmlns:a16="http://schemas.microsoft.com/office/drawing/2014/main" xmlns="" id="{605259E1-9779-4DEE-9D28-594CB6E51154}"/>
+                <a16:creationId xmlns:a16="http://schemas.microsoft.com/office/drawing/2014/main" id="{605259E1-9779-4DEE-9D28-594CB6E51154}"/>
               </a:ext>
             </a:extLst>
           </p:cNvPr>
@@ -13055,7 +13031,7 @@
           <p:cNvPr id="2" name="Title 1">
             <a:extLst>
               <a:ext uri="{FF2B5EF4-FFF2-40B4-BE49-F238E27FC236}">
-                <a16:creationId xmlns:a16="http://schemas.microsoft.com/office/drawing/2014/main" xmlns="" id="{8F7F73CB-F456-45EE-AA94-BB7D5C3BB8F3}"/>
+                <a16:creationId xmlns:a16="http://schemas.microsoft.com/office/drawing/2014/main" id="{8F7F73CB-F456-45EE-AA94-BB7D5C3BB8F3}"/>
               </a:ext>
             </a:extLst>
           </p:cNvPr>
@@ -13118,7 +13094,7 @@
           <p:cNvPr id="3" name="Content Placeholder 2">
             <a:extLst>
               <a:ext uri="{FF2B5EF4-FFF2-40B4-BE49-F238E27FC236}">
-                <a16:creationId xmlns:a16="http://schemas.microsoft.com/office/drawing/2014/main" xmlns="" id="{56C3982D-56BB-41EB-801D-B6BBB1AB4E3D}"/>
+                <a16:creationId xmlns:a16="http://schemas.microsoft.com/office/drawing/2014/main" id="{56C3982D-56BB-41EB-801D-B6BBB1AB4E3D}"/>
               </a:ext>
             </a:extLst>
           </p:cNvPr>
@@ -13206,7 +13182,7 @@
           <p:cNvPr id="2" name="Title 1">
             <a:extLst>
               <a:ext uri="{FF2B5EF4-FFF2-40B4-BE49-F238E27FC236}">
-                <a16:creationId xmlns:a16="http://schemas.microsoft.com/office/drawing/2014/main" xmlns="" id="{6C76FF2F-DF93-4E70-8215-0840FDBC39FF}"/>
+                <a16:creationId xmlns:a16="http://schemas.microsoft.com/office/drawing/2014/main" id="{6C76FF2F-DF93-4E70-8215-0840FDBC39FF}"/>
               </a:ext>
             </a:extLst>
           </p:cNvPr>
@@ -13239,7 +13215,7 @@
           <p:cNvPr id="3" name="Content Placeholder 2">
             <a:extLst>
               <a:ext uri="{FF2B5EF4-FFF2-40B4-BE49-F238E27FC236}">
-                <a16:creationId xmlns:a16="http://schemas.microsoft.com/office/drawing/2014/main" xmlns="" id="{CE38F233-8C1A-4ED2-A2E3-FE9D29906DEE}"/>
+                <a16:creationId xmlns:a16="http://schemas.microsoft.com/office/drawing/2014/main" id="{CE38F233-8C1A-4ED2-A2E3-FE9D29906DEE}"/>
               </a:ext>
             </a:extLst>
           </p:cNvPr>
@@ -13367,7 +13343,7 @@
           <p:cNvPr id="3" name="Content Placeholder 2">
             <a:extLst>
               <a:ext uri="{FF2B5EF4-FFF2-40B4-BE49-F238E27FC236}">
-                <a16:creationId xmlns:a16="http://schemas.microsoft.com/office/drawing/2014/main" xmlns="" id="{F70C6218-5FB4-47D6-BFA9-9D61555220C7}"/>
+                <a16:creationId xmlns:a16="http://schemas.microsoft.com/office/drawing/2014/main" id="{F70C6218-5FB4-47D6-BFA9-9D61555220C7}"/>
               </a:ext>
             </a:extLst>
           </p:cNvPr>
@@ -13467,7 +13443,7 @@
           <p:cNvPr id="4" name="Title 1">
             <a:extLst>
               <a:ext uri="{FF2B5EF4-FFF2-40B4-BE49-F238E27FC236}">
-                <a16:creationId xmlns:a16="http://schemas.microsoft.com/office/drawing/2014/main" xmlns="" id="{FDB4C3B3-A3B8-4000-BE91-4896C41A6074}"/>
+                <a16:creationId xmlns:a16="http://schemas.microsoft.com/office/drawing/2014/main" id="{FDB4C3B3-A3B8-4000-BE91-4896C41A6074}"/>
               </a:ext>
             </a:extLst>
           </p:cNvPr>
@@ -13530,7 +13506,7 @@
           <p:cNvPr id="2" name="Title 1">
             <a:extLst>
               <a:ext uri="{FF2B5EF4-FFF2-40B4-BE49-F238E27FC236}">
-                <a16:creationId xmlns:a16="http://schemas.microsoft.com/office/drawing/2014/main" xmlns="" id="{F444C774-897E-4AC1-BBA5-83DD8C7CDCED}"/>
+                <a16:creationId xmlns:a16="http://schemas.microsoft.com/office/drawing/2014/main" id="{F444C774-897E-4AC1-BBA5-83DD8C7CDCED}"/>
               </a:ext>
             </a:extLst>
           </p:cNvPr>
@@ -13563,7 +13539,7 @@
           <p:cNvPr id="3" name="Content Placeholder 2">
             <a:extLst>
               <a:ext uri="{FF2B5EF4-FFF2-40B4-BE49-F238E27FC236}">
-                <a16:creationId xmlns:a16="http://schemas.microsoft.com/office/drawing/2014/main" xmlns="" id="{79188A6A-3FDF-4AD5-87A4-DDEDC5C4A78C}"/>
+                <a16:creationId xmlns:a16="http://schemas.microsoft.com/office/drawing/2014/main" id="{79188A6A-3FDF-4AD5-87A4-DDEDC5C4A78C}"/>
               </a:ext>
             </a:extLst>
           </p:cNvPr>
@@ -13702,7 +13678,7 @@
           <p:cNvPr id="2" name="Title 1">
             <a:extLst>
               <a:ext uri="{FF2B5EF4-FFF2-40B4-BE49-F238E27FC236}">
-                <a16:creationId xmlns:a16="http://schemas.microsoft.com/office/drawing/2014/main" xmlns="" id="{F0FEAA45-7ED1-4DEE-83A2-D25D2F970894}"/>
+                <a16:creationId xmlns:a16="http://schemas.microsoft.com/office/drawing/2014/main" id="{F0FEAA45-7ED1-4DEE-83A2-D25D2F970894}"/>
               </a:ext>
             </a:extLst>
           </p:cNvPr>
@@ -13735,7 +13711,7 @@
           <p:cNvPr id="3" name="Content Placeholder 2">
             <a:extLst>
               <a:ext uri="{FF2B5EF4-FFF2-40B4-BE49-F238E27FC236}">
-                <a16:creationId xmlns:a16="http://schemas.microsoft.com/office/drawing/2014/main" xmlns="" id="{0826BDB8-1515-4C97-94CE-47DD692E5AE4}"/>
+                <a16:creationId xmlns:a16="http://schemas.microsoft.com/office/drawing/2014/main" id="{0826BDB8-1515-4C97-94CE-47DD692E5AE4}"/>
               </a:ext>
             </a:extLst>
           </p:cNvPr>
@@ -13876,7 +13852,7 @@
           <p:cNvPr id="2" name="Title 1">
             <a:extLst>
               <a:ext uri="{FF2B5EF4-FFF2-40B4-BE49-F238E27FC236}">
-                <a16:creationId xmlns:a16="http://schemas.microsoft.com/office/drawing/2014/main" xmlns="" id="{4D17145F-D6A5-4C34-89CF-D4EE6180E18F}"/>
+                <a16:creationId xmlns:a16="http://schemas.microsoft.com/office/drawing/2014/main" id="{4D17145F-D6A5-4C34-89CF-D4EE6180E18F}"/>
               </a:ext>
             </a:extLst>
           </p:cNvPr>
@@ -13909,7 +13885,7 @@
           <p:cNvPr id="3" name="Content Placeholder 2">
             <a:extLst>
               <a:ext uri="{FF2B5EF4-FFF2-40B4-BE49-F238E27FC236}">
-                <a16:creationId xmlns:a16="http://schemas.microsoft.com/office/drawing/2014/main" xmlns="" id="{1F7E4603-CD2B-4DAC-9443-1110AA9CD098}"/>
+                <a16:creationId xmlns:a16="http://schemas.microsoft.com/office/drawing/2014/main" id="{1F7E4603-CD2B-4DAC-9443-1110AA9CD098}"/>
               </a:ext>
             </a:extLst>
           </p:cNvPr>
@@ -14019,7 +13995,7 @@
           <p:cNvPr id="4" name="Picture 3">
             <a:extLst>
               <a:ext uri="{FF2B5EF4-FFF2-40B4-BE49-F238E27FC236}">
-                <a16:creationId xmlns:a16="http://schemas.microsoft.com/office/drawing/2014/main" xmlns="" id="{4136C139-3EDF-4DE1-AF1C-6E1FCA10A98D}"/>
+                <a16:creationId xmlns:a16="http://schemas.microsoft.com/office/drawing/2014/main" id="{4136C139-3EDF-4DE1-AF1C-6E1FCA10A98D}"/>
               </a:ext>
             </a:extLst>
           </p:cNvPr>
@@ -14048,7 +14024,7 @@
           <p:cNvPr id="6" name="TextBox 5">
             <a:extLst>
               <a:ext uri="{FF2B5EF4-FFF2-40B4-BE49-F238E27FC236}">
-                <a16:creationId xmlns:a16="http://schemas.microsoft.com/office/drawing/2014/main" xmlns="" id="{31A74396-0DE9-4533-AC14-9C562B32BEBD}"/>
+                <a16:creationId xmlns:a16="http://schemas.microsoft.com/office/drawing/2014/main" id="{31A74396-0DE9-4533-AC14-9C562B32BEBD}"/>
               </a:ext>
             </a:extLst>
           </p:cNvPr>
@@ -14119,7 +14095,7 @@
           <p:cNvPr id="3" name="Content Placeholder 2">
             <a:extLst>
               <a:ext uri="{FF2B5EF4-FFF2-40B4-BE49-F238E27FC236}">
-                <a16:creationId xmlns:a16="http://schemas.microsoft.com/office/drawing/2014/main" xmlns="" id="{8304702E-9CFF-41EE-B647-39A2E706A090}"/>
+                <a16:creationId xmlns:a16="http://schemas.microsoft.com/office/drawing/2014/main" id="{8304702E-9CFF-41EE-B647-39A2E706A090}"/>
               </a:ext>
             </a:extLst>
           </p:cNvPr>
@@ -14171,7 +14147,7 @@
           <p:cNvPr id="7" name="Title 1">
             <a:extLst>
               <a:ext uri="{FF2B5EF4-FFF2-40B4-BE49-F238E27FC236}">
-                <a16:creationId xmlns:a16="http://schemas.microsoft.com/office/drawing/2014/main" xmlns="" id="{0AF231C1-AFF8-49A6-BFC6-8D8A88C7F3F9}"/>
+                <a16:creationId xmlns:a16="http://schemas.microsoft.com/office/drawing/2014/main" id="{0AF231C1-AFF8-49A6-BFC6-8D8A88C7F3F9}"/>
               </a:ext>
             </a:extLst>
           </p:cNvPr>
@@ -14234,7 +14210,7 @@
           <p:cNvPr id="2" name="Title 1">
             <a:extLst>
               <a:ext uri="{FF2B5EF4-FFF2-40B4-BE49-F238E27FC236}">
-                <a16:creationId xmlns:a16="http://schemas.microsoft.com/office/drawing/2014/main" xmlns="" id="{C3B23C14-C922-4F69-BD2D-72078B3539B1}"/>
+                <a16:creationId xmlns:a16="http://schemas.microsoft.com/office/drawing/2014/main" id="{C3B23C14-C922-4F69-BD2D-72078B3539B1}"/>
               </a:ext>
             </a:extLst>
           </p:cNvPr>
@@ -14262,7 +14238,7 @@
           <p:cNvPr id="3" name="Content Placeholder 2">
             <a:extLst>
               <a:ext uri="{FF2B5EF4-FFF2-40B4-BE49-F238E27FC236}">
-                <a16:creationId xmlns:a16="http://schemas.microsoft.com/office/drawing/2014/main" xmlns="" id="{1E406EE6-44C9-46CE-A0C3-E368504FFF22}"/>
+                <a16:creationId xmlns:a16="http://schemas.microsoft.com/office/drawing/2014/main" id="{1E406EE6-44C9-46CE-A0C3-E368504FFF22}"/>
               </a:ext>
             </a:extLst>
           </p:cNvPr>
@@ -14362,7 +14338,7 @@
           <p:cNvPr id="2" name="Title 1">
             <a:extLst>
               <a:ext uri="{FF2B5EF4-FFF2-40B4-BE49-F238E27FC236}">
-                <a16:creationId xmlns:a16="http://schemas.microsoft.com/office/drawing/2014/main" xmlns="" id="{F05D5FF4-DF36-4760-B8F2-882C7EE1E89F}"/>
+                <a16:creationId xmlns:a16="http://schemas.microsoft.com/office/drawing/2014/main" id="{F05D5FF4-DF36-4760-B8F2-882C7EE1E89F}"/>
               </a:ext>
             </a:extLst>
           </p:cNvPr>
@@ -14425,7 +14401,7 @@
           <p:cNvPr id="2" name="Title 1">
             <a:extLst>
               <a:ext uri="{FF2B5EF4-FFF2-40B4-BE49-F238E27FC236}">
-                <a16:creationId xmlns:a16="http://schemas.microsoft.com/office/drawing/2014/main" xmlns="" id="{4695E136-5986-4F88-B058-959ED68E8AA2}"/>
+                <a16:creationId xmlns:a16="http://schemas.microsoft.com/office/drawing/2014/main" id="{4695E136-5986-4F88-B058-959ED68E8AA2}"/>
               </a:ext>
             </a:extLst>
           </p:cNvPr>
@@ -14462,7 +14438,7 @@
           <p:cNvPr id="3" name="Content Placeholder 2">
             <a:extLst>
               <a:ext uri="{FF2B5EF4-FFF2-40B4-BE49-F238E27FC236}">
-                <a16:creationId xmlns:a16="http://schemas.microsoft.com/office/drawing/2014/main" xmlns="" id="{7701B196-423C-49F0-B153-F1D3301CD21C}"/>
+                <a16:creationId xmlns:a16="http://schemas.microsoft.com/office/drawing/2014/main" id="{7701B196-423C-49F0-B153-F1D3301CD21C}"/>
               </a:ext>
             </a:extLst>
           </p:cNvPr>
@@ -14593,7 +14569,7 @@
           <p:cNvPr id="2" name="Title 1">
             <a:extLst>
               <a:ext uri="{FF2B5EF4-FFF2-40B4-BE49-F238E27FC236}">
-                <a16:creationId xmlns:a16="http://schemas.microsoft.com/office/drawing/2014/main" xmlns="" id="{6470BE8E-B02C-421E-AFFD-4C41182489E7}"/>
+                <a16:creationId xmlns:a16="http://schemas.microsoft.com/office/drawing/2014/main" id="{6470BE8E-B02C-421E-AFFD-4C41182489E7}"/>
               </a:ext>
             </a:extLst>
           </p:cNvPr>
@@ -14630,7 +14606,7 @@
           <p:cNvPr id="3" name="Content Placeholder 2">
             <a:extLst>
               <a:ext uri="{FF2B5EF4-FFF2-40B4-BE49-F238E27FC236}">
-                <a16:creationId xmlns:a16="http://schemas.microsoft.com/office/drawing/2014/main" xmlns="" id="{6DDF7AD1-0F08-485F-A448-9AE19078598F}"/>
+                <a16:creationId xmlns:a16="http://schemas.microsoft.com/office/drawing/2014/main" id="{6DDF7AD1-0F08-485F-A448-9AE19078598F}"/>
               </a:ext>
             </a:extLst>
           </p:cNvPr>
@@ -14691,7 +14667,7 @@
           <p:cNvPr id="2" name="Title 1">
             <a:extLst>
               <a:ext uri="{FF2B5EF4-FFF2-40B4-BE49-F238E27FC236}">
-                <a16:creationId xmlns:a16="http://schemas.microsoft.com/office/drawing/2014/main" xmlns="" id="{529F328C-D67E-49CD-8563-FF4AE3D17E40}"/>
+                <a16:creationId xmlns:a16="http://schemas.microsoft.com/office/drawing/2014/main" id="{529F328C-D67E-49CD-8563-FF4AE3D17E40}"/>
               </a:ext>
             </a:extLst>
           </p:cNvPr>
